--- a/LMS_30%.pptx
+++ b/LMS_30%.pptx
@@ -8322,7 +8322,7 @@
       <dgm:spPr/>
     </dgm:pt>
     <dgm:pt modelId="{FE300E05-1507-4672-A747-052AF5EDD104}" type="pres">
-      <dgm:prSet presAssocID="{859DADFD-19ED-474E-961A-315D4EB4B6C4}" presName="txThree" presStyleLbl="node3" presStyleIdx="0" presStyleCnt="3" custLinFactNeighborX="36872" custLinFactNeighborY="804">
+      <dgm:prSet presAssocID="{859DADFD-19ED-474E-961A-315D4EB4B6C4}" presName="txThree" presStyleLbl="node3" presStyleIdx="0" presStyleCnt="3" custScaleX="106085" custLinFactNeighborX="36872" custLinFactNeighborY="804">
         <dgm:presLayoutVars>
           <dgm:chPref val="3"/>
         </dgm:presLayoutVars>
@@ -11615,8 +11615,8 @@
       </dsp:nvSpPr>
       <dsp:spPr>
         <a:xfrm>
-          <a:off x="1520066" y="76200"/>
-          <a:ext cx="5189467" cy="1412153"/>
+          <a:off x="1519761" y="76200"/>
+          <a:ext cx="5190076" cy="1412153"/>
         </a:xfrm>
         <a:prstGeom prst="roundRect">
           <a:avLst>
@@ -11732,8 +11732,8 @@
         </a:p>
       </dsp:txBody>
       <dsp:txXfrm>
-        <a:off x="1561427" y="117561"/>
-        <a:ext cx="5106745" cy="1329431"/>
+        <a:off x="1561122" y="117561"/>
+        <a:ext cx="5107354" cy="1329431"/>
       </dsp:txXfrm>
     </dsp:sp>
     <dsp:sp modelId="{12549ADF-B416-4809-9F84-2C33CCBF614C}">
@@ -11743,8 +11743,8 @@
       </dsp:nvSpPr>
       <dsp:spPr>
         <a:xfrm>
-          <a:off x="603817" y="1587508"/>
-          <a:ext cx="3569127" cy="1412153"/>
+          <a:off x="611198" y="1587508"/>
+          <a:ext cx="3616096" cy="1412153"/>
         </a:xfrm>
         <a:prstGeom prst="roundRect">
           <a:avLst>
@@ -11860,8 +11860,8 @@
         </a:p>
       </dsp:txBody>
       <dsp:txXfrm>
-        <a:off x="645178" y="1628869"/>
-        <a:ext cx="3486405" cy="1329431"/>
+        <a:off x="652559" y="1628869"/>
+        <a:ext cx="3533374" cy="1329431"/>
       </dsp:txXfrm>
     </dsp:sp>
     <dsp:sp modelId="{FE300E05-1507-4672-A747-052AF5EDD104}">
@@ -11871,8 +11871,8 @@
       </dsp:nvSpPr>
       <dsp:spPr>
         <a:xfrm>
-          <a:off x="829969" y="3113809"/>
-          <a:ext cx="2233856" cy="1412153"/>
+          <a:off x="816178" y="3113809"/>
+          <a:ext cx="2331495" cy="1412153"/>
         </a:xfrm>
         <a:prstGeom prst="roundRect">
           <a:avLst>
@@ -11988,8 +11988,8 @@
         </a:p>
       </dsp:txBody>
       <dsp:txXfrm>
-        <a:off x="871330" y="3155170"/>
-        <a:ext cx="2151134" cy="1329431"/>
+        <a:off x="857539" y="3155170"/>
+        <a:ext cx="2248773" cy="1329431"/>
       </dsp:txXfrm>
     </dsp:sp>
     <dsp:sp modelId="{FC013496-E0A0-4315-B5C5-24086A666482}">
@@ -11999,8 +11999,8 @@
       </dsp:nvSpPr>
       <dsp:spPr>
         <a:xfrm>
-          <a:off x="3166985" y="3113809"/>
-          <a:ext cx="2233856" cy="1412153"/>
+          <a:off x="3249167" y="3113809"/>
+          <a:ext cx="2197762" cy="1412153"/>
         </a:xfrm>
         <a:prstGeom prst="roundRect">
           <a:avLst>
@@ -12116,8 +12116,8 @@
         </a:p>
       </dsp:txBody>
       <dsp:txXfrm>
-        <a:off x="3208346" y="3155170"/>
-        <a:ext cx="2151134" cy="1329431"/>
+        <a:off x="3290528" y="3155170"/>
+        <a:ext cx="2115040" cy="1329431"/>
       </dsp:txXfrm>
     </dsp:sp>
     <dsp:sp modelId="{1A76EE72-D459-408A-97B8-DF34B1FDFE06}">
@@ -12127,8 +12127,8 @@
       </dsp:nvSpPr>
       <dsp:spPr>
         <a:xfrm>
-          <a:off x="4340989" y="1580716"/>
-          <a:ext cx="3467816" cy="1412153"/>
+          <a:off x="4404201" y="1580716"/>
+          <a:ext cx="3411783" cy="1412153"/>
         </a:xfrm>
         <a:prstGeom prst="roundRect">
           <a:avLst>
@@ -12244,8 +12244,8 @@
         </a:p>
       </dsp:txBody>
       <dsp:txXfrm>
-        <a:off x="4382350" y="1622077"/>
-        <a:ext cx="3385094" cy="1329431"/>
+        <a:off x="4445562" y="1622077"/>
+        <a:ext cx="3329061" cy="1329431"/>
       </dsp:txXfrm>
     </dsp:sp>
     <dsp:sp modelId="{0B85E495-6FC7-473E-BB21-3A455F42C1FB}">
@@ -12255,8 +12255,8 @@
       </dsp:nvSpPr>
       <dsp:spPr>
         <a:xfrm>
-          <a:off x="5547171" y="3113809"/>
-          <a:ext cx="2233856" cy="1412153"/>
+          <a:off x="5590893" y="3113809"/>
+          <a:ext cx="2197762" cy="1412153"/>
         </a:xfrm>
         <a:prstGeom prst="roundRect">
           <a:avLst>
@@ -12373,8 +12373,8 @@
         </a:p>
       </dsp:txBody>
       <dsp:txXfrm>
-        <a:off x="5588532" y="3155170"/>
-        <a:ext cx="2151134" cy="1329431"/>
+        <a:off x="5632254" y="3155170"/>
+        <a:ext cx="2115040" cy="1329431"/>
       </dsp:txXfrm>
     </dsp:sp>
   </dsp:spTree>
@@ -22507,7 +22507,7 @@
             <a:fld id="{C2B86B37-9E7C-4699-A89E-72EE4B291650}" type="datetimeFigureOut">
               <a:rPr lang="en-US" smtClean="0"/>
               <a:pPr/>
-              <a:t>03-Jan-25</a:t>
+              <a:t>11-Apr-25</a:t>
             </a:fld>
             <a:endParaRPr lang="en-US"/>
           </a:p>
@@ -22957,7 +22957,7 @@
             <a:fld id="{7BE7D89F-69BA-45D8-85C1-789124DFB921}" type="datetime1">
               <a:rPr lang="en-US" smtClean="0"/>
               <a:pPr/>
-              <a:t>03-Jan-25</a:t>
+              <a:t>11-Apr-25</a:t>
             </a:fld>
             <a:endParaRPr lang="en-US"/>
           </a:p>
@@ -23122,7 +23122,7 @@
             <a:fld id="{C5641830-9FBF-4C58-837A-230882702FD4}" type="datetime1">
               <a:rPr lang="en-US" smtClean="0"/>
               <a:pPr/>
-              <a:t>03-Jan-25</a:t>
+              <a:t>11-Apr-25</a:t>
             </a:fld>
             <a:endParaRPr lang="en-US"/>
           </a:p>
@@ -23297,7 +23297,7 @@
             <a:fld id="{691B8442-52C5-4632-BA82-04F7AD4C9B34}" type="datetime1">
               <a:rPr lang="en-US" smtClean="0"/>
               <a:pPr/>
-              <a:t>03-Jan-25</a:t>
+              <a:t>11-Apr-25</a:t>
             </a:fld>
             <a:endParaRPr lang="en-US"/>
           </a:p>
@@ -23462,7 +23462,7 @@
             <a:fld id="{E2F83749-7540-4838-B5FB-EDC40CB84DB0}" type="datetime1">
               <a:rPr lang="en-US" smtClean="0"/>
               <a:pPr/>
-              <a:t>03-Jan-25</a:t>
+              <a:t>11-Apr-25</a:t>
             </a:fld>
             <a:endParaRPr lang="en-US"/>
           </a:p>
@@ -23704,7 +23704,7 @@
             <a:fld id="{781A8085-18D1-4091-8AD3-81F140965EFC}" type="datetime1">
               <a:rPr lang="en-US" smtClean="0"/>
               <a:pPr/>
-              <a:t>03-Jan-25</a:t>
+              <a:t>11-Apr-25</a:t>
             </a:fld>
             <a:endParaRPr lang="en-US"/>
           </a:p>
@@ -23986,7 +23986,7 @@
             <a:fld id="{EACD35F7-97F8-4D2E-B83D-158766068E0A}" type="datetime1">
               <a:rPr lang="en-US" smtClean="0"/>
               <a:pPr/>
-              <a:t>03-Jan-25</a:t>
+              <a:t>11-Apr-25</a:t>
             </a:fld>
             <a:endParaRPr lang="en-US"/>
           </a:p>
@@ -24402,7 +24402,7 @@
             <a:fld id="{203EFADE-B1F7-484F-89D9-3E148D53B52B}" type="datetime1">
               <a:rPr lang="en-US" smtClean="0"/>
               <a:pPr/>
-              <a:t>03-Jan-25</a:t>
+              <a:t>11-Apr-25</a:t>
             </a:fld>
             <a:endParaRPr lang="en-US"/>
           </a:p>
@@ -24516,7 +24516,7 @@
             <a:fld id="{F09F378E-9541-4F7D-BD6F-302448FBBB81}" type="datetime1">
               <a:rPr lang="en-US" smtClean="0"/>
               <a:pPr/>
-              <a:t>03-Jan-25</a:t>
+              <a:t>11-Apr-25</a:t>
             </a:fld>
             <a:endParaRPr lang="en-US"/>
           </a:p>
@@ -24608,7 +24608,7 @@
             <a:fld id="{7E26370F-658E-452B-A4D5-DB4240E0AF51}" type="datetime1">
               <a:rPr lang="en-US" smtClean="0"/>
               <a:pPr/>
-              <a:t>03-Jan-25</a:t>
+              <a:t>11-Apr-25</a:t>
             </a:fld>
             <a:endParaRPr lang="en-US"/>
           </a:p>
@@ -24880,7 +24880,7 @@
             <a:fld id="{DC18E6F0-0C4F-4052-A284-495110A822E2}" type="datetime1">
               <a:rPr lang="en-US" smtClean="0"/>
               <a:pPr/>
-              <a:t>03-Jan-25</a:t>
+              <a:t>11-Apr-25</a:t>
             </a:fld>
             <a:endParaRPr lang="en-US"/>
           </a:p>
@@ -25129,7 +25129,7 @@
             <a:fld id="{1E4C22A7-5E39-4CEE-A6B3-52DA5303DD53}" type="datetime1">
               <a:rPr lang="en-US" smtClean="0"/>
               <a:pPr/>
-              <a:t>03-Jan-25</a:t>
+              <a:t>11-Apr-25</a:t>
             </a:fld>
             <a:endParaRPr lang="en-US"/>
           </a:p>
@@ -25337,7 +25337,7 @@
             <a:fld id="{568188C4-8F03-4988-A683-AFCBDCFC6ED7}" type="datetime1">
               <a:rPr lang="en-US" smtClean="0"/>
               <a:pPr/>
-              <a:t>03-Jan-25</a:t>
+              <a:t>11-Apr-25</a:t>
             </a:fld>
             <a:endParaRPr lang="en-US"/>
           </a:p>
@@ -34541,7 +34541,7 @@
             <p:ph idx="1"/>
             <p:extLst>
               <p:ext uri="{D42A27DB-BD31-4B8C-83A1-F6EECF244321}">
-                <p14:modId xmlns:p14="http://schemas.microsoft.com/office/powerpoint/2010/main" val="3739993712"/>
+                <p14:modId xmlns:p14="http://schemas.microsoft.com/office/powerpoint/2010/main" val="217454508"/>
               </p:ext>
             </p:extLst>
           </p:nvPr>
